--- a/web2/presentaciones/11_SQL.pptx
+++ b/web2/presentaciones/11_SQL.pptx
@@ -129,6 +129,35 @@
 </p:presentation>
 </file>
 
+<file path=ppt/changesInfos/changesInfo1.xml><?xml version="1.0" encoding="utf-8"?>
+<pc:chgInfo xmlns:a="http://schemas.openxmlformats.org/drawingml/2006/main" xmlns:r="http://schemas.openxmlformats.org/officeDocument/2006/relationships" xmlns:ac="http://schemas.microsoft.com/office/drawing/2013/main/command" xmlns:pc="http://schemas.microsoft.com/office/powerpoint/2013/main/command">
+  <pc:docChgLst>
+    <pc:chgData name="Ana Esquivel" userId="1114658c96e3faf6" providerId="LiveId" clId="{807600C4-41A0-4A19-BD38-8BA72E1DC73A}"/>
+    <pc:docChg chg="undo custSel modSld">
+      <pc:chgData name="Ana Esquivel" userId="1114658c96e3faf6" providerId="LiveId" clId="{807600C4-41A0-4A19-BD38-8BA72E1DC73A}" dt="2022-09-03T01:29:20.180" v="23"/>
+      <pc:docMkLst>
+        <pc:docMk/>
+      </pc:docMkLst>
+      <pc:sldChg chg="modSp mod">
+        <pc:chgData name="Ana Esquivel" userId="1114658c96e3faf6" providerId="LiveId" clId="{807600C4-41A0-4A19-BD38-8BA72E1DC73A}" dt="2022-09-03T01:29:20.180" v="23"/>
+        <pc:sldMkLst>
+          <pc:docMk/>
+          <pc:sldMk cId="4195375029" sldId="259"/>
+        </pc:sldMkLst>
+        <pc:spChg chg="mod">
+          <ac:chgData name="Ana Esquivel" userId="1114658c96e3faf6" providerId="LiveId" clId="{807600C4-41A0-4A19-BD38-8BA72E1DC73A}" dt="2022-09-03T01:29:20.180" v="23"/>
+          <ac:spMkLst>
+            <pc:docMk/>
+            <pc:sldMk cId="4195375029" sldId="259"/>
+            <ac:spMk id="5" creationId="{405FA818-09BE-4200-8304-C397EE40DBC5}"/>
+          </ac:spMkLst>
+        </pc:spChg>
+      </pc:sldChg>
+    </pc:docChg>
+  </pc:docChgLst>
+</pc:chgInfo>
+</file>
+
 <file path=ppt/notesMasters/notesMaster1.xml><?xml version="1.0" encoding="utf-8"?>
 <p:notesMaster xmlns:a="http://schemas.openxmlformats.org/drawingml/2006/main" xmlns:r="http://schemas.openxmlformats.org/officeDocument/2006/relationships" xmlns:p="http://schemas.openxmlformats.org/presentationml/2006/main">
   <p:cSld>
@@ -370,7 +399,7 @@
           <a:p>
             <a:fld id="{68FFC049-1C5B-49DC-B081-75A291C5E555}" type="slidenum">
               <a:rPr lang="es-MX" smtClean="0"/>
-              <a:t>‹Nº›</a:t>
+              <a:t>‹#›</a:t>
             </a:fld>
             <a:endParaRPr lang="es-MX"/>
           </a:p>
@@ -645,7 +674,7 @@
             <a:fld id="{0CFEC368-1D7A-4F81-ABF6-AE0E36BAF64C}" type="slidenum">
               <a:rPr lang="en-US" smtClean="0"/>
               <a:pPr/>
-              <a:t>‹Nº›</a:t>
+              <a:t>‹#›</a:t>
             </a:fld>
             <a:endParaRPr lang="en-US"/>
           </a:p>
@@ -1024,7 +1053,7 @@
           <a:p>
             <a:fld id="{6277D776-714D-445C-9287-009F7B6C6820}" type="slidenum">
               <a:rPr lang="es-MX" smtClean="0"/>
-              <a:t>‹Nº›</a:t>
+              <a:t>‹#›</a:t>
             </a:fld>
             <a:endParaRPr lang="es-MX"/>
           </a:p>
@@ -1202,7 +1231,7 @@
           <a:p>
             <a:fld id="{6277D776-714D-445C-9287-009F7B6C6820}" type="slidenum">
               <a:rPr lang="es-MX" smtClean="0"/>
-              <a:t>‹Nº›</a:t>
+              <a:t>‹#›</a:t>
             </a:fld>
             <a:endParaRPr lang="es-MX"/>
           </a:p>
@@ -1370,7 +1399,7 @@
           <a:p>
             <a:fld id="{6277D776-714D-445C-9287-009F7B6C6820}" type="slidenum">
               <a:rPr lang="es-MX" smtClean="0"/>
-              <a:t>‹Nº›</a:t>
+              <a:t>‹#›</a:t>
             </a:fld>
             <a:endParaRPr lang="es-MX"/>
           </a:p>
@@ -1621,7 +1650,7 @@
           <a:p>
             <a:fld id="{6277D776-714D-445C-9287-009F7B6C6820}" type="slidenum">
               <a:rPr lang="es-MX" smtClean="0"/>
-              <a:t>‹Nº›</a:t>
+              <a:t>‹#›</a:t>
             </a:fld>
             <a:endParaRPr lang="es-MX"/>
           </a:p>
@@ -1942,7 +1971,7 @@
           <a:p>
             <a:fld id="{6277D776-714D-445C-9287-009F7B6C6820}" type="slidenum">
               <a:rPr lang="es-MX" smtClean="0"/>
-              <a:t>‹Nº›</a:t>
+              <a:t>‹#›</a:t>
             </a:fld>
             <a:endParaRPr lang="es-MX"/>
           </a:p>
@@ -2411,7 +2440,7 @@
           <a:p>
             <a:fld id="{6277D776-714D-445C-9287-009F7B6C6820}" type="slidenum">
               <a:rPr lang="es-MX" smtClean="0"/>
-              <a:t>‹Nº›</a:t>
+              <a:t>‹#›</a:t>
             </a:fld>
             <a:endParaRPr lang="es-MX"/>
           </a:p>
@@ -2562,7 +2591,7 @@
           <a:p>
             <a:fld id="{6277D776-714D-445C-9287-009F7B6C6820}" type="slidenum">
               <a:rPr lang="es-MX" smtClean="0"/>
-              <a:t>‹Nº›</a:t>
+              <a:t>‹#›</a:t>
             </a:fld>
             <a:endParaRPr lang="es-MX"/>
           </a:p>
@@ -2655,7 +2684,7 @@
           <a:p>
             <a:fld id="{6277D776-714D-445C-9287-009F7B6C6820}" type="slidenum">
               <a:rPr lang="es-MX" smtClean="0"/>
-              <a:t>‹Nº›</a:t>
+              <a:t>‹#›</a:t>
             </a:fld>
             <a:endParaRPr lang="es-MX"/>
           </a:p>
@@ -2932,7 +2961,7 @@
           <a:p>
             <a:fld id="{6277D776-714D-445C-9287-009F7B6C6820}" type="slidenum">
               <a:rPr lang="es-MX" smtClean="0"/>
-              <a:t>‹Nº›</a:t>
+              <a:t>‹#›</a:t>
             </a:fld>
             <a:endParaRPr lang="es-MX"/>
           </a:p>
@@ -3240,7 +3269,7 @@
           <a:p>
             <a:fld id="{6277D776-714D-445C-9287-009F7B6C6820}" type="slidenum">
               <a:rPr lang="es-MX" smtClean="0"/>
-              <a:t>‹Nº›</a:t>
+              <a:t>‹#›</a:t>
             </a:fld>
             <a:endParaRPr lang="es-MX"/>
           </a:p>
@@ -3573,7 +3602,7 @@
           <a:p>
             <a:fld id="{6277D776-714D-445C-9287-009F7B6C6820}" type="slidenum">
               <a:rPr lang="es-MX" smtClean="0"/>
-              <a:t>‹Nº›</a:t>
+              <a:t>‹#›</a:t>
             </a:fld>
             <a:endParaRPr lang="es-MX"/>
           </a:p>
@@ -7679,7 +7708,18 @@
             </a:pPr>
             <a:r>
               <a:rPr lang="es-MX" dirty="0"/>
-              <a:t>Mostrar los datos de los alumnos que están en la carrera ITI o ITEM</a:t>
+              <a:t>Mostrar los datos de los alumnos que están en la carrera ITI o ITEM  </a:t>
+            </a:r>
+            <a:r>
+              <a:rPr lang="es-MX" dirty="0">
+                <a:solidFill>
+                  <a:schemeClr val="tx2">
+                    <a:lumMod val="60000"/>
+                    <a:lumOff val="40000"/>
+                  </a:schemeClr>
+                </a:solidFill>
+              </a:rPr>
+              <a:t>LISTO</a:t>
             </a:r>
           </a:p>
           <a:p>
@@ -7689,8 +7729,20 @@
             </a:pPr>
             <a:r>
               <a:rPr lang="es-MX" dirty="0"/>
-              <a:t>Mostrar los datos de los diferentes médicos que han atendido consultas.</a:t>
-            </a:r>
+              <a:t>Mostrar los datos de los diferentes médicos que han atendido consultas. </a:t>
+            </a:r>
+            <a:r>
+              <a:rPr lang="es-MX" dirty="0">
+                <a:solidFill>
+                  <a:schemeClr val="tx2">
+                    <a:lumMod val="60000"/>
+                    <a:lumOff val="40000"/>
+                  </a:schemeClr>
+                </a:solidFill>
+              </a:rPr>
+              <a:t>LISTO</a:t>
+            </a:r>
+            <a:endParaRPr lang="es-MX" dirty="0"/>
           </a:p>
           <a:p>
             <a:pPr marL="457200" indent="-457200">
@@ -7701,6 +7753,18 @@
               <a:rPr lang="es-MX" dirty="0"/>
               <a:t>Mostrar los datos de los alumnos que tienen sangre tipo AB+</a:t>
             </a:r>
+            <a:r>
+              <a:rPr lang="es-MX" dirty="0">
+                <a:solidFill>
+                  <a:schemeClr val="tx2">
+                    <a:lumMod val="60000"/>
+                    <a:lumOff val="40000"/>
+                  </a:schemeClr>
+                </a:solidFill>
+              </a:rPr>
+              <a:t> LISTO</a:t>
+            </a:r>
+            <a:endParaRPr lang="es-MX" dirty="0"/>
           </a:p>
           <a:p>
             <a:pPr marL="457200" indent="-457200">
@@ -7711,6 +7775,18 @@
               <a:rPr lang="es-MX" dirty="0"/>
               <a:t>Indicar cuantas consultas ha tenido el alumno con ID=10</a:t>
             </a:r>
+            <a:r>
+              <a:rPr lang="es-MX" dirty="0">
+                <a:solidFill>
+                  <a:schemeClr val="tx2">
+                    <a:lumMod val="60000"/>
+                    <a:lumOff val="40000"/>
+                  </a:schemeClr>
+                </a:solidFill>
+              </a:rPr>
+              <a:t> LISTO</a:t>
+            </a:r>
+            <a:endParaRPr lang="es-MX" dirty="0"/>
           </a:p>
           <a:p>
             <a:pPr marL="457200" indent="-457200">
@@ -7719,8 +7795,24 @@
             </a:pPr>
             <a:r>
               <a:rPr lang="es-MX" dirty="0"/>
-              <a:t>Eliminar las consultas realizada el 09-sep-2021</a:t>
-            </a:r>
+              <a:t>Eliminar las consultas realizada el </a:t>
+            </a:r>
+            <a:r>
+              <a:rPr lang="es-MX"/>
+              <a:t>09-sep-2021 </a:t>
+            </a:r>
+            <a:r>
+              <a:rPr lang="es-MX">
+                <a:solidFill>
+                  <a:schemeClr val="tx2">
+                    <a:lumMod val="60000"/>
+                    <a:lumOff val="40000"/>
+                  </a:schemeClr>
+                </a:solidFill>
+              </a:rPr>
+              <a:t>LISTO</a:t>
+            </a:r>
+            <a:endParaRPr lang="es-MX" dirty="0"/>
           </a:p>
           <a:p>
             <a:pPr marL="457200" indent="-457200">
